--- a/Java Basics/Java Bascis 2.pptx
+++ b/Java Basics/Java Bascis 2.pptx
@@ -112,6 +112,11 @@
       </a:defRPr>
     </a:lvl9pPr>
   </p:defaultTextStyle>
+  <p:extLst>
+    <p:ext uri="{EFAFB233-063F-42B5-8137-9DF3F51BA10A}">
+      <p15:sldGuideLst xmlns:p15="http://schemas.microsoft.com/office/powerpoint/2012/main"/>
+    </p:ext>
+  </p:extLst>
 </p:presentation>
 </file>
 
@@ -262,7 +267,7 @@
           <a:p>
             <a:fld id="{4A48C695-4D93-7047-8D08-CE6492098F26}" type="datetimeFigureOut">
               <a:rPr kumimoji="1" lang="zh-CN" altLang="en-US" smtClean="0"/>
-              <a:t>2023/2/9</a:t>
+              <a:t>2023/2/16</a:t>
             </a:fld>
             <a:endParaRPr kumimoji="1" lang="zh-CN" altLang="en-US"/>
           </a:p>
@@ -460,7 +465,7 @@
           <a:p>
             <a:fld id="{4A48C695-4D93-7047-8D08-CE6492098F26}" type="datetimeFigureOut">
               <a:rPr kumimoji="1" lang="zh-CN" altLang="en-US" smtClean="0"/>
-              <a:t>2023/2/9</a:t>
+              <a:t>2023/2/16</a:t>
             </a:fld>
             <a:endParaRPr kumimoji="1" lang="zh-CN" altLang="en-US"/>
           </a:p>
@@ -668,7 +673,7 @@
           <a:p>
             <a:fld id="{4A48C695-4D93-7047-8D08-CE6492098F26}" type="datetimeFigureOut">
               <a:rPr kumimoji="1" lang="zh-CN" altLang="en-US" smtClean="0"/>
-              <a:t>2023/2/9</a:t>
+              <a:t>2023/2/16</a:t>
             </a:fld>
             <a:endParaRPr kumimoji="1" lang="zh-CN" altLang="en-US"/>
           </a:p>
@@ -866,7 +871,7 @@
           <a:p>
             <a:fld id="{4A48C695-4D93-7047-8D08-CE6492098F26}" type="datetimeFigureOut">
               <a:rPr kumimoji="1" lang="zh-CN" altLang="en-US" smtClean="0"/>
-              <a:t>2023/2/9</a:t>
+              <a:t>2023/2/16</a:t>
             </a:fld>
             <a:endParaRPr kumimoji="1" lang="zh-CN" altLang="en-US"/>
           </a:p>
@@ -1141,7 +1146,7 @@
           <a:p>
             <a:fld id="{4A48C695-4D93-7047-8D08-CE6492098F26}" type="datetimeFigureOut">
               <a:rPr kumimoji="1" lang="zh-CN" altLang="en-US" smtClean="0"/>
-              <a:t>2023/2/9</a:t>
+              <a:t>2023/2/16</a:t>
             </a:fld>
             <a:endParaRPr kumimoji="1" lang="zh-CN" altLang="en-US"/>
           </a:p>
@@ -1406,7 +1411,7 @@
           <a:p>
             <a:fld id="{4A48C695-4D93-7047-8D08-CE6492098F26}" type="datetimeFigureOut">
               <a:rPr kumimoji="1" lang="zh-CN" altLang="en-US" smtClean="0"/>
-              <a:t>2023/2/9</a:t>
+              <a:t>2023/2/16</a:t>
             </a:fld>
             <a:endParaRPr kumimoji="1" lang="zh-CN" altLang="en-US"/>
           </a:p>
@@ -1818,7 +1823,7 @@
           <a:p>
             <a:fld id="{4A48C695-4D93-7047-8D08-CE6492098F26}" type="datetimeFigureOut">
               <a:rPr kumimoji="1" lang="zh-CN" altLang="en-US" smtClean="0"/>
-              <a:t>2023/2/9</a:t>
+              <a:t>2023/2/16</a:t>
             </a:fld>
             <a:endParaRPr kumimoji="1" lang="zh-CN" altLang="en-US"/>
           </a:p>
@@ -1959,7 +1964,7 @@
           <a:p>
             <a:fld id="{4A48C695-4D93-7047-8D08-CE6492098F26}" type="datetimeFigureOut">
               <a:rPr kumimoji="1" lang="zh-CN" altLang="en-US" smtClean="0"/>
-              <a:t>2023/2/9</a:t>
+              <a:t>2023/2/16</a:t>
             </a:fld>
             <a:endParaRPr kumimoji="1" lang="zh-CN" altLang="en-US"/>
           </a:p>
@@ -2072,7 +2077,7 @@
           <a:p>
             <a:fld id="{4A48C695-4D93-7047-8D08-CE6492098F26}" type="datetimeFigureOut">
               <a:rPr kumimoji="1" lang="zh-CN" altLang="en-US" smtClean="0"/>
-              <a:t>2023/2/9</a:t>
+              <a:t>2023/2/16</a:t>
             </a:fld>
             <a:endParaRPr kumimoji="1" lang="zh-CN" altLang="en-US"/>
           </a:p>
@@ -2383,7 +2388,7 @@
           <a:p>
             <a:fld id="{4A48C695-4D93-7047-8D08-CE6492098F26}" type="datetimeFigureOut">
               <a:rPr kumimoji="1" lang="zh-CN" altLang="en-US" smtClean="0"/>
-              <a:t>2023/2/9</a:t>
+              <a:t>2023/2/16</a:t>
             </a:fld>
             <a:endParaRPr kumimoji="1" lang="zh-CN" altLang="en-US"/>
           </a:p>
@@ -2671,7 +2676,7 @@
           <a:p>
             <a:fld id="{4A48C695-4D93-7047-8D08-CE6492098F26}" type="datetimeFigureOut">
               <a:rPr kumimoji="1" lang="zh-CN" altLang="en-US" smtClean="0"/>
-              <a:t>2023/2/9</a:t>
+              <a:t>2023/2/16</a:t>
             </a:fld>
             <a:endParaRPr kumimoji="1" lang="zh-CN" altLang="en-US"/>
           </a:p>
@@ -2912,7 +2917,7 @@
           <a:p>
             <a:fld id="{4A48C695-4D93-7047-8D08-CE6492098F26}" type="datetimeFigureOut">
               <a:rPr kumimoji="1" lang="zh-CN" altLang="en-US" smtClean="0"/>
-              <a:t>2023/2/9</a:t>
+              <a:t>2023/2/16</a:t>
             </a:fld>
             <a:endParaRPr kumimoji="1" lang="zh-CN" altLang="en-US"/>
           </a:p>
@@ -4129,6 +4134,31 @@
           <a:bodyPr/>
           <a:lstStyle/>
           <a:p>
+            <a:r>
+              <a:rPr lang="en" altLang="zh-CN" b="0" i="0" dirty="0">
+                <a:effectLst/>
+                <a:latin typeface="urw-din"/>
+              </a:rPr>
+              <a:t>Constructors are special and have same name as class name. So if constructors were inherited in child class then child class would contain a parent class constructor which is against the constraint that constructor should have same name as class name. </a:t>
+            </a:r>
+          </a:p>
+          <a:p>
+            <a:r>
+              <a:rPr lang="en" altLang="zh-CN" b="0" i="0" dirty="0">
+                <a:effectLst/>
+                <a:latin typeface="urw-din"/>
+              </a:rPr>
+              <a:t>Now suppose if constructors can be inherited then it will be impossible to achieving encapsulation. Because by using a super class’s constructor we can access/initialize private members of a class.</a:t>
+            </a:r>
+          </a:p>
+          <a:p>
+            <a:r>
+              <a:rPr lang="en" altLang="zh-CN" b="0" i="0" dirty="0">
+                <a:effectLst/>
+                <a:latin typeface="urw-din"/>
+              </a:rPr>
+              <a:t>A constructor cannot be called as a method. It is called when object of the class is created so it does not make sense of creating child class object using parent class constructor notation.</a:t>
+            </a:r>
             <a:endParaRPr kumimoji="1" lang="zh-CN" altLang="en-US" dirty="0"/>
           </a:p>
         </p:txBody>
@@ -4221,7 +4251,53 @@
           <a:bodyPr/>
           <a:lstStyle/>
           <a:p>
-            <a:endParaRPr kumimoji="1" lang="zh-CN" altLang="en-US"/>
+            <a:pPr algn="just"/>
+            <a:r>
+              <a:rPr lang="en" altLang="zh-CN" b="0" i="0" dirty="0">
+                <a:solidFill>
+                  <a:srgbClr val="000000"/>
+                </a:solidFill>
+                <a:effectLst/>
+                <a:latin typeface="Nunito" pitchFamily="2" charset="0"/>
+              </a:rPr>
+              <a:t>constructors cannot be inherited in Java therefore you cannot </a:t>
+            </a:r>
+            <a:r>
+              <a:rPr lang="en" altLang="zh-CN" b="1" i="0" dirty="0">
+                <a:solidFill>
+                  <a:srgbClr val="000000"/>
+                </a:solidFill>
+                <a:effectLst/>
+                <a:latin typeface="Nunito" pitchFamily="2" charset="0"/>
+              </a:rPr>
+              <a:t>override</a:t>
+            </a:r>
+            <a:r>
+              <a:rPr lang="en" altLang="zh-CN" b="0" i="0" dirty="0">
+                <a:solidFill>
+                  <a:srgbClr val="000000"/>
+                </a:solidFill>
+                <a:effectLst/>
+                <a:latin typeface="Nunito" pitchFamily="2" charset="0"/>
+              </a:rPr>
+              <a:t> constructors.</a:t>
+            </a:r>
+          </a:p>
+          <a:p>
+            <a:pPr algn="just"/>
+            <a:r>
+              <a:rPr lang="en" altLang="zh-CN" b="0" i="0" dirty="0">
+                <a:solidFill>
+                  <a:srgbClr val="000000"/>
+                </a:solidFill>
+                <a:effectLst/>
+                <a:latin typeface="Nunito" pitchFamily="2" charset="0"/>
+              </a:rPr>
+              <a:t>So, writing final before constructors makes no sense. Therefore, java does not allow final keyword before a constructor.</a:t>
+            </a:r>
+          </a:p>
+          <a:p>
+            <a:endParaRPr kumimoji="1" lang="zh-CN" altLang="en-US" dirty="0"/>
           </a:p>
         </p:txBody>
       </p:sp>
